--- a/Mòdulo 03/Banco de dados/Atividade 01/atividade do mathews.pptx
+++ b/Mòdulo 03/Banco de dados/Atividade 01/atividade do mathews.pptx
@@ -118,6 +118,11 @@
       </a:defRPr>
     </a:lvl9pPr>
   </p:defaultTextStyle>
+  <p:extLst>
+    <p:ext uri="{EFAFB233-063F-42B5-8137-9DF3F51BA10A}">
+      <p15:sldGuideLst xmlns:p15="http://schemas.microsoft.com/office/powerpoint/2012/main"/>
+    </p:ext>
+  </p:extLst>
 </p:presentation>
 </file>
 
@@ -955,7 +960,7 @@
       <dgm:spPr/>
     </dgm:pt>
     <dgm:pt modelId="{2D904BAE-8F3A-4FB1-A1F5-0292B2A66891}" type="pres">
-      <dgm:prSet presAssocID="{E60B30EE-67EA-434F-8520-3EB351763E86}" presName="pictureRepeatNode" presStyleLbl="alignImgPlace1" presStyleIdx="0" presStyleCnt="1" custScaleX="200000" custScaleY="177357" custLinFactNeighborX="-25500" custLinFactNeighborY="1491"/>
+      <dgm:prSet presAssocID="{E60B30EE-67EA-434F-8520-3EB351763E86}" presName="pictureRepeatNode" presStyleLbl="alignImgPlace1" presStyleIdx="0" presStyleCnt="1" custScaleX="200000" custScaleY="177357" custLinFactNeighborX="7750" custLinFactNeighborY="-250"/>
       <dgm:spPr/>
     </dgm:pt>
     <dgm:pt modelId="{74365276-AAE8-4A69-B97D-6ECACE1CBCB2}" type="pres">
@@ -4040,7 +4045,7 @@
           <a:noFill/>
           <a:extLst>
             <a:ext uri="{909E8E84-426E-40dd-AFC4-6F175D3DCCD1}">
-              <a14:hiddenFill xmlns:a14="http://schemas.microsoft.com/office/drawing/2010/main" xmlns="">
+              <a14:hiddenFill xmlns="" xmlns:a14="http://schemas.microsoft.com/office/drawing/2010/main">
                 <a:solidFill>
                   <a:srgbClr val="FFFFFF"/>
                 </a:solidFill>
@@ -4100,7 +4105,7 @@
             </a:ln>
             <a:extLst>
               <a:ext uri="{91240B29-F687-4f45-9708-019B960494DF}">
-                <a14:hiddenLine xmlns:a14="http://schemas.microsoft.com/office/drawing/2010/main" xmlns="" w="9525">
+                <a14:hiddenLine xmlns="" xmlns:a14="http://schemas.microsoft.com/office/drawing/2010/main" w="9525">
                   <a:solidFill>
                     <a:srgbClr val="000000"/>
                   </a:solidFill>
@@ -4190,7 +4195,7 @@
             </a:ln>
             <a:extLst>
               <a:ext uri="{91240B29-F687-4f45-9708-019B960494DF}">
-                <a14:hiddenLine xmlns:a14="http://schemas.microsoft.com/office/drawing/2010/main" xmlns="" w="9525">
+                <a14:hiddenLine xmlns="" xmlns:a14="http://schemas.microsoft.com/office/drawing/2010/main" w="9525">
                   <a:solidFill>
                     <a:srgbClr val="000000"/>
                   </a:solidFill>
@@ -4280,7 +4285,7 @@
             </a:ln>
             <a:extLst>
               <a:ext uri="{91240B29-F687-4f45-9708-019B960494DF}">
-                <a14:hiddenLine xmlns:a14="http://schemas.microsoft.com/office/drawing/2010/main" xmlns="" w="9525">
+                <a14:hiddenLine xmlns="" xmlns:a14="http://schemas.microsoft.com/office/drawing/2010/main" w="9525">
                   <a:solidFill>
                     <a:srgbClr val="000000"/>
                   </a:solidFill>
@@ -4314,7 +4319,7 @@
             </a:ln>
             <a:extLst>
               <a:ext uri="{91240B29-F687-4f45-9708-019B960494DF}">
-                <a14:hiddenLine xmlns:a14="http://schemas.microsoft.com/office/drawing/2010/main" xmlns="" w="9525">
+                <a14:hiddenLine xmlns="" xmlns:a14="http://schemas.microsoft.com/office/drawing/2010/main" w="9525">
                   <a:solidFill>
                     <a:srgbClr val="000000"/>
                   </a:solidFill>
@@ -4404,7 +4409,7 @@
             </a:ln>
             <a:extLst>
               <a:ext uri="{91240B29-F687-4f45-9708-019B960494DF}">
-                <a14:hiddenLine xmlns:a14="http://schemas.microsoft.com/office/drawing/2010/main" xmlns="" w="9525">
+                <a14:hiddenLine xmlns="" xmlns:a14="http://schemas.microsoft.com/office/drawing/2010/main" w="9525">
                   <a:solidFill>
                     <a:srgbClr val="000000"/>
                   </a:solidFill>
@@ -4466,7 +4471,7 @@
             </a:ln>
             <a:extLst>
               <a:ext uri="{91240B29-F687-4f45-9708-019B960494DF}">
-                <a14:hiddenLine xmlns:a14="http://schemas.microsoft.com/office/drawing/2010/main" xmlns="" w="9525">
+                <a14:hiddenLine xmlns="" xmlns:a14="http://schemas.microsoft.com/office/drawing/2010/main" w="9525">
                   <a:solidFill>
                     <a:srgbClr val="000000"/>
                   </a:solidFill>
@@ -4528,7 +4533,7 @@
             </a:ln>
             <a:extLst>
               <a:ext uri="{91240B29-F687-4f45-9708-019B960494DF}">
-                <a14:hiddenLine xmlns:a14="http://schemas.microsoft.com/office/drawing/2010/main" xmlns="" w="9525">
+                <a14:hiddenLine xmlns="" xmlns:a14="http://schemas.microsoft.com/office/drawing/2010/main" w="9525">
                   <a:solidFill>
                     <a:srgbClr val="000000"/>
                   </a:solidFill>
@@ -4618,7 +4623,7 @@
             </a:ln>
             <a:extLst>
               <a:ext uri="{91240B29-F687-4f45-9708-019B960494DF}">
-                <a14:hiddenLine xmlns:a14="http://schemas.microsoft.com/office/drawing/2010/main" xmlns="" w="9525">
+                <a14:hiddenLine xmlns="" xmlns:a14="http://schemas.microsoft.com/office/drawing/2010/main" w="9525">
                   <a:solidFill>
                     <a:srgbClr val="000000"/>
                   </a:solidFill>
@@ -4680,7 +4685,7 @@
             </a:ln>
             <a:extLst>
               <a:ext uri="{91240B29-F687-4f45-9708-019B960494DF}">
-                <a14:hiddenLine xmlns:a14="http://schemas.microsoft.com/office/drawing/2010/main" xmlns="" w="9525">
+                <a14:hiddenLine xmlns="" xmlns:a14="http://schemas.microsoft.com/office/drawing/2010/main" w="9525">
                   <a:solidFill>
                     <a:srgbClr val="000000"/>
                   </a:solidFill>
@@ -4742,7 +4747,7 @@
             </a:ln>
             <a:extLst>
               <a:ext uri="{91240B29-F687-4f45-9708-019B960494DF}">
-                <a14:hiddenLine xmlns:a14="http://schemas.microsoft.com/office/drawing/2010/main" xmlns="" w="9525">
+                <a14:hiddenLine xmlns="" xmlns:a14="http://schemas.microsoft.com/office/drawing/2010/main" w="9525">
                   <a:solidFill>
                     <a:srgbClr val="000000"/>
                   </a:solidFill>
@@ -4832,7 +4837,7 @@
             </a:ln>
             <a:extLst>
               <a:ext uri="{91240B29-F687-4f45-9708-019B960494DF}">
-                <a14:hiddenLine xmlns:a14="http://schemas.microsoft.com/office/drawing/2010/main" xmlns="" w="9525">
+                <a14:hiddenLine xmlns="" xmlns:a14="http://schemas.microsoft.com/office/drawing/2010/main" w="9525">
                   <a:solidFill>
                     <a:srgbClr val="000000"/>
                   </a:solidFill>
@@ -4922,7 +4927,7 @@
             </a:ln>
             <a:extLst>
               <a:ext uri="{91240B29-F687-4f45-9708-019B960494DF}">
-                <a14:hiddenLine xmlns:a14="http://schemas.microsoft.com/office/drawing/2010/main" xmlns="" w="9525">
+                <a14:hiddenLine xmlns="" xmlns:a14="http://schemas.microsoft.com/office/drawing/2010/main" w="9525">
                   <a:solidFill>
                     <a:srgbClr val="000000"/>
                   </a:solidFill>
@@ -4984,7 +4989,7 @@
             </a:ln>
             <a:extLst>
               <a:ext uri="{91240B29-F687-4f45-9708-019B960494DF}">
-                <a14:hiddenLine xmlns:a14="http://schemas.microsoft.com/office/drawing/2010/main" xmlns="" w="9525">
+                <a14:hiddenLine xmlns="" xmlns:a14="http://schemas.microsoft.com/office/drawing/2010/main" w="9525">
                   <a:solidFill>
                     <a:srgbClr val="000000"/>
                   </a:solidFill>
@@ -5094,7 +5099,7 @@
             </a:ln>
             <a:extLst>
               <a:ext uri="{91240B29-F687-4f45-9708-019B960494DF}">
-                <a14:hiddenLine xmlns:a14="http://schemas.microsoft.com/office/drawing/2010/main" xmlns="" w="9525">
+                <a14:hiddenLine xmlns="" xmlns:a14="http://schemas.microsoft.com/office/drawing/2010/main" w="9525">
                   <a:solidFill>
                     <a:srgbClr val="000000"/>
                   </a:solidFill>
@@ -5156,7 +5161,7 @@
             </a:ln>
             <a:extLst>
               <a:ext uri="{91240B29-F687-4f45-9708-019B960494DF}">
-                <a14:hiddenLine xmlns:a14="http://schemas.microsoft.com/office/drawing/2010/main" xmlns="" w="9525">
+                <a14:hiddenLine xmlns="" xmlns:a14="http://schemas.microsoft.com/office/drawing/2010/main" w="9525">
                   <a:solidFill>
                     <a:srgbClr val="000000"/>
                   </a:solidFill>
@@ -5246,7 +5251,7 @@
             </a:ln>
             <a:extLst>
               <a:ext uri="{91240B29-F687-4f45-9708-019B960494DF}">
-                <a14:hiddenLine xmlns:a14="http://schemas.microsoft.com/office/drawing/2010/main" xmlns="" w="9525">
+                <a14:hiddenLine xmlns="" xmlns:a14="http://schemas.microsoft.com/office/drawing/2010/main" w="9525">
                   <a:solidFill>
                     <a:srgbClr val="000000"/>
                   </a:solidFill>
@@ -5336,7 +5341,7 @@
             </a:ln>
             <a:extLst>
               <a:ext uri="{91240B29-F687-4f45-9708-019B960494DF}">
-                <a14:hiddenLine xmlns:a14="http://schemas.microsoft.com/office/drawing/2010/main" xmlns="" w="9525">
+                <a14:hiddenLine xmlns="" xmlns:a14="http://schemas.microsoft.com/office/drawing/2010/main" w="9525">
                   <a:solidFill>
                     <a:srgbClr val="000000"/>
                   </a:solidFill>
@@ -5398,7 +5403,7 @@
             </a:ln>
             <a:extLst>
               <a:ext uri="{91240B29-F687-4f45-9708-019B960494DF}">
-                <a14:hiddenLine xmlns:a14="http://schemas.microsoft.com/office/drawing/2010/main" xmlns="" w="9525">
+                <a14:hiddenLine xmlns="" xmlns:a14="http://schemas.microsoft.com/office/drawing/2010/main" w="9525">
                   <a:solidFill>
                     <a:srgbClr val="000000"/>
                   </a:solidFill>
@@ -5488,7 +5493,7 @@
             </a:ln>
             <a:extLst>
               <a:ext uri="{91240B29-F687-4f45-9708-019B960494DF}">
-                <a14:hiddenLine xmlns:a14="http://schemas.microsoft.com/office/drawing/2010/main" xmlns="" w="9525">
+                <a14:hiddenLine xmlns="" xmlns:a14="http://schemas.microsoft.com/office/drawing/2010/main" w="9525">
                   <a:solidFill>
                     <a:srgbClr val="000000"/>
                   </a:solidFill>
@@ -5578,7 +5583,7 @@
             </a:ln>
             <a:extLst>
               <a:ext uri="{91240B29-F687-4f45-9708-019B960494DF}">
-                <a14:hiddenLine xmlns:a14="http://schemas.microsoft.com/office/drawing/2010/main" xmlns="" w="9525">
+                <a14:hiddenLine xmlns="" xmlns:a14="http://schemas.microsoft.com/office/drawing/2010/main" w="9525">
                   <a:solidFill>
                     <a:srgbClr val="000000"/>
                   </a:solidFill>
@@ -5634,7 +5639,7 @@
             </a:ln>
             <a:extLst>
               <a:ext uri="{91240B29-F687-4f45-9708-019B960494DF}">
-                <a14:hiddenLine xmlns:a14="http://schemas.microsoft.com/office/drawing/2010/main" xmlns="" w="9525">
+                <a14:hiddenLine xmlns="" xmlns:a14="http://schemas.microsoft.com/office/drawing/2010/main" w="9525">
                   <a:solidFill>
                     <a:srgbClr val="000000"/>
                   </a:solidFill>
@@ -5724,7 +5729,7 @@
             </a:ln>
             <a:extLst>
               <a:ext uri="{91240B29-F687-4f45-9708-019B960494DF}">
-                <a14:hiddenLine xmlns:a14="http://schemas.microsoft.com/office/drawing/2010/main" xmlns="" w="9525">
+                <a14:hiddenLine xmlns="" xmlns:a14="http://schemas.microsoft.com/office/drawing/2010/main" w="9525">
                   <a:solidFill>
                     <a:srgbClr val="000000"/>
                   </a:solidFill>
@@ -5780,7 +5785,7 @@
             </a:ln>
             <a:extLst>
               <a:ext uri="{91240B29-F687-4f45-9708-019B960494DF}">
-                <a14:hiddenLine xmlns:a14="http://schemas.microsoft.com/office/drawing/2010/main" xmlns="" w="9525">
+                <a14:hiddenLine xmlns="" xmlns:a14="http://schemas.microsoft.com/office/drawing/2010/main" w="9525">
                   <a:solidFill>
                     <a:srgbClr val="000000"/>
                   </a:solidFill>
@@ -5870,7 +5875,7 @@
             </a:ln>
             <a:extLst>
               <a:ext uri="{91240B29-F687-4f45-9708-019B960494DF}">
-                <a14:hiddenLine xmlns:a14="http://schemas.microsoft.com/office/drawing/2010/main" xmlns="" w="9525">
+                <a14:hiddenLine xmlns="" xmlns:a14="http://schemas.microsoft.com/office/drawing/2010/main" w="9525">
                   <a:solidFill>
                     <a:srgbClr val="000000"/>
                   </a:solidFill>
@@ -5938,7 +5943,7 @@
             </a:ln>
             <a:extLst>
               <a:ext uri="{91240B29-F687-4f45-9708-019B960494DF}">
-                <a14:hiddenLine xmlns:a14="http://schemas.microsoft.com/office/drawing/2010/main" xmlns="" w="9525">
+                <a14:hiddenLine xmlns="" xmlns:a14="http://schemas.microsoft.com/office/drawing/2010/main" w="9525">
                   <a:solidFill>
                     <a:srgbClr val="000000"/>
                   </a:solidFill>
@@ -6028,7 +6033,7 @@
             </a:ln>
             <a:extLst>
               <a:ext uri="{91240B29-F687-4f45-9708-019B960494DF}">
-                <a14:hiddenLine xmlns:a14="http://schemas.microsoft.com/office/drawing/2010/main" xmlns="" w="9525">
+                <a14:hiddenLine xmlns="" xmlns:a14="http://schemas.microsoft.com/office/drawing/2010/main" w="9525">
                   <a:solidFill>
                     <a:srgbClr val="000000"/>
                   </a:solidFill>
@@ -6096,7 +6101,7 @@
             </a:ln>
             <a:extLst>
               <a:ext uri="{91240B29-F687-4f45-9708-019B960494DF}">
-                <a14:hiddenLine xmlns:a14="http://schemas.microsoft.com/office/drawing/2010/main" xmlns="" w="9525">
+                <a14:hiddenLine xmlns="" xmlns:a14="http://schemas.microsoft.com/office/drawing/2010/main" w="9525">
                   <a:solidFill>
                     <a:srgbClr val="000000"/>
                   </a:solidFill>
@@ -6186,7 +6191,7 @@
             </a:ln>
             <a:extLst>
               <a:ext uri="{91240B29-F687-4f45-9708-019B960494DF}">
-                <a14:hiddenLine xmlns:a14="http://schemas.microsoft.com/office/drawing/2010/main" xmlns="" w="9525">
+                <a14:hiddenLine xmlns="" xmlns:a14="http://schemas.microsoft.com/office/drawing/2010/main" w="9525">
                   <a:solidFill>
                     <a:srgbClr val="000000"/>
                   </a:solidFill>
@@ -6220,7 +6225,7 @@
             </a:ln>
             <a:extLst>
               <a:ext uri="{91240B29-F687-4f45-9708-019B960494DF}">
-                <a14:hiddenLine xmlns:a14="http://schemas.microsoft.com/office/drawing/2010/main" xmlns="" w="9525">
+                <a14:hiddenLine xmlns="" xmlns:a14="http://schemas.microsoft.com/office/drawing/2010/main" w="9525">
                   <a:solidFill>
                     <a:srgbClr val="000000"/>
                   </a:solidFill>
@@ -6310,7 +6315,7 @@
             </a:ln>
             <a:extLst>
               <a:ext uri="{91240B29-F687-4f45-9708-019B960494DF}">
-                <a14:hiddenLine xmlns:a14="http://schemas.microsoft.com/office/drawing/2010/main" xmlns="" w="9525">
+                <a14:hiddenLine xmlns="" xmlns:a14="http://schemas.microsoft.com/office/drawing/2010/main" w="9525">
                   <a:solidFill>
                     <a:srgbClr val="000000"/>
                   </a:solidFill>
@@ -6372,7 +6377,7 @@
             </a:ln>
             <a:extLst>
               <a:ext uri="{91240B29-F687-4f45-9708-019B960494DF}">
-                <a14:hiddenLine xmlns:a14="http://schemas.microsoft.com/office/drawing/2010/main" xmlns="" w="9525">
+                <a14:hiddenLine xmlns="" xmlns:a14="http://schemas.microsoft.com/office/drawing/2010/main" w="9525">
                   <a:solidFill>
                     <a:srgbClr val="000000"/>
                   </a:solidFill>
@@ -6434,7 +6439,7 @@
             </a:ln>
             <a:extLst>
               <a:ext uri="{91240B29-F687-4f45-9708-019B960494DF}">
-                <a14:hiddenLine xmlns:a14="http://schemas.microsoft.com/office/drawing/2010/main" xmlns="" w="9525">
+                <a14:hiddenLine xmlns="" xmlns:a14="http://schemas.microsoft.com/office/drawing/2010/main" w="9525">
                   <a:solidFill>
                     <a:srgbClr val="000000"/>
                   </a:solidFill>
@@ -6524,7 +6529,7 @@
             </a:ln>
             <a:extLst>
               <a:ext uri="{91240B29-F687-4f45-9708-019B960494DF}">
-                <a14:hiddenLine xmlns:a14="http://schemas.microsoft.com/office/drawing/2010/main" xmlns="" w="9525">
+                <a14:hiddenLine xmlns="" xmlns:a14="http://schemas.microsoft.com/office/drawing/2010/main" w="9525">
                   <a:solidFill>
                     <a:srgbClr val="000000"/>
                   </a:solidFill>
@@ -6592,7 +6597,7 @@
             </a:ln>
             <a:extLst>
               <a:ext uri="{91240B29-F687-4f45-9708-019B960494DF}">
-                <a14:hiddenLine xmlns:a14="http://schemas.microsoft.com/office/drawing/2010/main" xmlns="" w="9525">
+                <a14:hiddenLine xmlns="" xmlns:a14="http://schemas.microsoft.com/office/drawing/2010/main" w="9525">
                   <a:solidFill>
                     <a:srgbClr val="000000"/>
                   </a:solidFill>
@@ -6654,7 +6659,7 @@
             </a:ln>
             <a:extLst>
               <a:ext uri="{91240B29-F687-4f45-9708-019B960494DF}">
-                <a14:hiddenLine xmlns:a14="http://schemas.microsoft.com/office/drawing/2010/main" xmlns="" w="9525">
+                <a14:hiddenLine xmlns="" xmlns:a14="http://schemas.microsoft.com/office/drawing/2010/main" w="9525">
                   <a:solidFill>
                     <a:srgbClr val="000000"/>
                   </a:solidFill>
@@ -6744,7 +6749,7 @@
             </a:ln>
             <a:extLst>
               <a:ext uri="{91240B29-F687-4f45-9708-019B960494DF}">
-                <a14:hiddenLine xmlns:a14="http://schemas.microsoft.com/office/drawing/2010/main" xmlns="" w="9525">
+                <a14:hiddenLine xmlns="" xmlns:a14="http://schemas.microsoft.com/office/drawing/2010/main" w="9525">
                   <a:solidFill>
                     <a:srgbClr val="000000"/>
                   </a:solidFill>
@@ -6806,7 +6811,7 @@
             </a:ln>
             <a:extLst>
               <a:ext uri="{91240B29-F687-4f45-9708-019B960494DF}">
-                <a14:hiddenLine xmlns:a14="http://schemas.microsoft.com/office/drawing/2010/main" xmlns="" w="9525">
+                <a14:hiddenLine xmlns="" xmlns:a14="http://schemas.microsoft.com/office/drawing/2010/main" w="9525">
                   <a:solidFill>
                     <a:srgbClr val="000000"/>
                   </a:solidFill>
@@ -6896,7 +6901,7 @@
             </a:ln>
             <a:extLst>
               <a:ext uri="{91240B29-F687-4f45-9708-019B960494DF}">
-                <a14:hiddenLine xmlns:a14="http://schemas.microsoft.com/office/drawing/2010/main" xmlns="" w="9525">
+                <a14:hiddenLine xmlns="" xmlns:a14="http://schemas.microsoft.com/office/drawing/2010/main" w="9525">
                   <a:solidFill>
                     <a:srgbClr val="000000"/>
                   </a:solidFill>
@@ -6958,7 +6963,7 @@
             </a:ln>
             <a:extLst>
               <a:ext uri="{91240B29-F687-4f45-9708-019B960494DF}">
-                <a14:hiddenLine xmlns:a14="http://schemas.microsoft.com/office/drawing/2010/main" xmlns="" w="9525">
+                <a14:hiddenLine xmlns="" xmlns:a14="http://schemas.microsoft.com/office/drawing/2010/main" w="9525">
                   <a:solidFill>
                     <a:srgbClr val="000000"/>
                   </a:solidFill>
@@ -7048,7 +7053,7 @@
             </a:ln>
             <a:extLst>
               <a:ext uri="{91240B29-F687-4f45-9708-019B960494DF}">
-                <a14:hiddenLine xmlns:a14="http://schemas.microsoft.com/office/drawing/2010/main" xmlns="" w="9525">
+                <a14:hiddenLine xmlns="" xmlns:a14="http://schemas.microsoft.com/office/drawing/2010/main" w="9525">
                   <a:solidFill>
                     <a:srgbClr val="000000"/>
                   </a:solidFill>
@@ -7082,7 +7087,7 @@
             </a:ln>
             <a:extLst>
               <a:ext uri="{91240B29-F687-4f45-9708-019B960494DF}">
-                <a14:hiddenLine xmlns:a14="http://schemas.microsoft.com/office/drawing/2010/main" xmlns="" w="9525">
+                <a14:hiddenLine xmlns="" xmlns:a14="http://schemas.microsoft.com/office/drawing/2010/main" w="9525">
                   <a:solidFill>
                     <a:srgbClr val="000000"/>
                   </a:solidFill>
@@ -7147,7 +7152,7 @@
             </a:ln>
             <a:extLst>
               <a:ext uri="{91240B29-F687-4f45-9708-019B960494DF}">
-                <a14:hiddenLine xmlns:a14="http://schemas.microsoft.com/office/drawing/2010/main" xmlns="" w="9525">
+                <a14:hiddenLine xmlns="" xmlns:a14="http://schemas.microsoft.com/office/drawing/2010/main" w="9525">
                   <a:solidFill>
                     <a:srgbClr val="000000"/>
                   </a:solidFill>
@@ -7237,7 +7242,7 @@
             </a:ln>
             <a:extLst>
               <a:ext uri="{91240B29-F687-4f45-9708-019B960494DF}">
-                <a14:hiddenLine xmlns:a14="http://schemas.microsoft.com/office/drawing/2010/main" xmlns="" w="9525">
+                <a14:hiddenLine xmlns="" xmlns:a14="http://schemas.microsoft.com/office/drawing/2010/main" w="9525">
                   <a:solidFill>
                     <a:srgbClr val="000000"/>
                   </a:solidFill>
@@ -7299,7 +7304,7 @@
             </a:ln>
             <a:extLst>
               <a:ext uri="{91240B29-F687-4f45-9708-019B960494DF}">
-                <a14:hiddenLine xmlns:a14="http://schemas.microsoft.com/office/drawing/2010/main" xmlns="" w="9525">
+                <a14:hiddenLine xmlns="" xmlns:a14="http://schemas.microsoft.com/office/drawing/2010/main" w="9525">
                   <a:solidFill>
                     <a:srgbClr val="000000"/>
                   </a:solidFill>
@@ -7389,7 +7394,7 @@
             </a:ln>
             <a:extLst>
               <a:ext uri="{91240B29-F687-4f45-9708-019B960494DF}">
-                <a14:hiddenLine xmlns:a14="http://schemas.microsoft.com/office/drawing/2010/main" xmlns="" w="9525">
+                <a14:hiddenLine xmlns="" xmlns:a14="http://schemas.microsoft.com/office/drawing/2010/main" w="9525">
                   <a:solidFill>
                     <a:srgbClr val="000000"/>
                   </a:solidFill>
@@ -7479,7 +7484,7 @@
             </a:ln>
             <a:extLst>
               <a:ext uri="{91240B29-F687-4f45-9708-019B960494DF}">
-                <a14:hiddenLine xmlns:a14="http://schemas.microsoft.com/office/drawing/2010/main" xmlns="" w="9525">
+                <a14:hiddenLine xmlns="" xmlns:a14="http://schemas.microsoft.com/office/drawing/2010/main" w="9525">
                   <a:solidFill>
                     <a:srgbClr val="000000"/>
                   </a:solidFill>
@@ -7544,7 +7549,7 @@
             </a:ln>
             <a:extLst>
               <a:ext uri="{91240B29-F687-4f45-9708-019B960494DF}">
-                <a14:hiddenLine xmlns:a14="http://schemas.microsoft.com/office/drawing/2010/main" xmlns="" w="9525">
+                <a14:hiddenLine xmlns="" xmlns:a14="http://schemas.microsoft.com/office/drawing/2010/main" w="9525">
                   <a:solidFill>
                     <a:srgbClr val="000000"/>
                   </a:solidFill>
@@ -7606,7 +7611,7 @@
             </a:ln>
             <a:extLst>
               <a:ext uri="{91240B29-F687-4f45-9708-019B960494DF}">
-                <a14:hiddenLine xmlns:a14="http://schemas.microsoft.com/office/drawing/2010/main" xmlns="" w="9525">
+                <a14:hiddenLine xmlns="" xmlns:a14="http://schemas.microsoft.com/office/drawing/2010/main" w="9525">
                   <a:solidFill>
                     <a:srgbClr val="000000"/>
                   </a:solidFill>
@@ -7696,7 +7701,7 @@
             </a:ln>
             <a:extLst>
               <a:ext uri="{91240B29-F687-4f45-9708-019B960494DF}">
-                <a14:hiddenLine xmlns:a14="http://schemas.microsoft.com/office/drawing/2010/main" xmlns="" w="9525">
+                <a14:hiddenLine xmlns="" xmlns:a14="http://schemas.microsoft.com/office/drawing/2010/main" w="9525">
                   <a:solidFill>
                     <a:srgbClr val="000000"/>
                   </a:solidFill>
@@ -7786,7 +7791,7 @@
             </a:ln>
             <a:extLst>
               <a:ext uri="{91240B29-F687-4f45-9708-019B960494DF}">
-                <a14:hiddenLine xmlns:a14="http://schemas.microsoft.com/office/drawing/2010/main" xmlns="" w="9525">
+                <a14:hiddenLine xmlns="" xmlns:a14="http://schemas.microsoft.com/office/drawing/2010/main" w="9525">
                   <a:solidFill>
                     <a:srgbClr val="000000"/>
                   </a:solidFill>
@@ -7848,7 +7853,7 @@
             </a:ln>
             <a:extLst>
               <a:ext uri="{91240B29-F687-4f45-9708-019B960494DF}">
-                <a14:hiddenLine xmlns:a14="http://schemas.microsoft.com/office/drawing/2010/main" xmlns="" w="9525">
+                <a14:hiddenLine xmlns="" xmlns:a14="http://schemas.microsoft.com/office/drawing/2010/main" w="9525">
                   <a:solidFill>
                     <a:srgbClr val="000000"/>
                   </a:solidFill>
@@ -7968,7 +7973,7 @@
             </a:ln>
             <a:extLst>
               <a:ext uri="{91240B29-F687-4f45-9708-019B960494DF}">
-                <a14:hiddenLine xmlns:a14="http://schemas.microsoft.com/office/drawing/2010/main" xmlns="" w="9525">
+                <a14:hiddenLine xmlns="" xmlns:a14="http://schemas.microsoft.com/office/drawing/2010/main" w="9525">
                   <a:solidFill>
                     <a:srgbClr val="000000"/>
                   </a:solidFill>
@@ -8036,7 +8041,7 @@
             </a:ln>
             <a:extLst>
               <a:ext uri="{91240B29-F687-4f45-9708-019B960494DF}">
-                <a14:hiddenLine xmlns:a14="http://schemas.microsoft.com/office/drawing/2010/main" xmlns="" w="9525">
+                <a14:hiddenLine xmlns="" xmlns:a14="http://schemas.microsoft.com/office/drawing/2010/main" w="9525">
                   <a:solidFill>
                     <a:srgbClr val="000000"/>
                   </a:solidFill>
@@ -8126,7 +8131,7 @@
             </a:ln>
             <a:extLst>
               <a:ext uri="{91240B29-F687-4f45-9708-019B960494DF}">
-                <a14:hiddenLine xmlns:a14="http://schemas.microsoft.com/office/drawing/2010/main" xmlns="" w="9525">
+                <a14:hiddenLine xmlns="" xmlns:a14="http://schemas.microsoft.com/office/drawing/2010/main" w="9525">
                   <a:solidFill>
                     <a:srgbClr val="000000"/>
                   </a:solidFill>
@@ -12848,7 +12853,7 @@
           <a:noFill/>
           <a:extLst>
             <a:ext uri="{909E8E84-426E-40dd-AFC4-6F175D3DCCD1}">
-              <a14:hiddenFill xmlns:a14="http://schemas.microsoft.com/office/drawing/2010/main" xmlns="">
+              <a14:hiddenFill xmlns="" xmlns:a14="http://schemas.microsoft.com/office/drawing/2010/main">
                 <a:solidFill>
                   <a:srgbClr val="FFFFFF"/>
                 </a:solidFill>
@@ -12922,7 +12927,7 @@
               </a:ln>
               <a:extLst>
                 <a:ext uri="{91240B29-F687-4f45-9708-019B960494DF}">
-                  <a14:hiddenLine xmlns:a14="http://schemas.microsoft.com/office/drawing/2010/main" xmlns="" w="9525">
+                  <a14:hiddenLine xmlns="" xmlns:a14="http://schemas.microsoft.com/office/drawing/2010/main" w="9525">
                     <a:solidFill>
                       <a:srgbClr val="000000"/>
                     </a:solidFill>
@@ -13012,7 +13017,7 @@
               </a:ln>
               <a:extLst>
                 <a:ext uri="{91240B29-F687-4f45-9708-019B960494DF}">
-                  <a14:hiddenLine xmlns:a14="http://schemas.microsoft.com/office/drawing/2010/main" xmlns="" w="9525">
+                  <a14:hiddenLine xmlns="" xmlns:a14="http://schemas.microsoft.com/office/drawing/2010/main" w="9525">
                     <a:solidFill>
                       <a:srgbClr val="000000"/>
                     </a:solidFill>
@@ -13102,7 +13107,7 @@
               </a:ln>
               <a:extLst>
                 <a:ext uri="{91240B29-F687-4f45-9708-019B960494DF}">
-                  <a14:hiddenLine xmlns:a14="http://schemas.microsoft.com/office/drawing/2010/main" xmlns="" w="9525">
+                  <a14:hiddenLine xmlns="" xmlns:a14="http://schemas.microsoft.com/office/drawing/2010/main" w="9525">
                     <a:solidFill>
                       <a:srgbClr val="000000"/>
                     </a:solidFill>
@@ -13164,7 +13169,7 @@
               </a:ln>
               <a:extLst>
                 <a:ext uri="{91240B29-F687-4f45-9708-019B960494DF}">
-                  <a14:hiddenLine xmlns:a14="http://schemas.microsoft.com/office/drawing/2010/main" xmlns="" w="9525">
+                  <a14:hiddenLine xmlns="" xmlns:a14="http://schemas.microsoft.com/office/drawing/2010/main" w="9525">
                     <a:solidFill>
                       <a:srgbClr val="000000"/>
                     </a:solidFill>
@@ -13254,7 +13259,7 @@
               </a:ln>
               <a:extLst>
                 <a:ext uri="{91240B29-F687-4f45-9708-019B960494DF}">
-                  <a14:hiddenLine xmlns:a14="http://schemas.microsoft.com/office/drawing/2010/main" xmlns="" w="9525">
+                  <a14:hiddenLine xmlns="" xmlns:a14="http://schemas.microsoft.com/office/drawing/2010/main" w="9525">
                     <a:solidFill>
                       <a:srgbClr val="000000"/>
                     </a:solidFill>
@@ -13316,7 +13321,7 @@
               </a:ln>
               <a:extLst>
                 <a:ext uri="{91240B29-F687-4f45-9708-019B960494DF}">
-                  <a14:hiddenLine xmlns:a14="http://schemas.microsoft.com/office/drawing/2010/main" xmlns="" w="9525">
+                  <a14:hiddenLine xmlns="" xmlns:a14="http://schemas.microsoft.com/office/drawing/2010/main" w="9525">
                     <a:solidFill>
                       <a:srgbClr val="000000"/>
                     </a:solidFill>
@@ -13378,7 +13383,7 @@
               </a:ln>
               <a:extLst>
                 <a:ext uri="{91240B29-F687-4f45-9708-019B960494DF}">
-                  <a14:hiddenLine xmlns:a14="http://schemas.microsoft.com/office/drawing/2010/main" xmlns="" w="9525">
+                  <a14:hiddenLine xmlns="" xmlns:a14="http://schemas.microsoft.com/office/drawing/2010/main" w="9525">
                     <a:solidFill>
                       <a:srgbClr val="000000"/>
                     </a:solidFill>
@@ -13468,7 +13473,7 @@
               </a:ln>
               <a:extLst>
                 <a:ext uri="{91240B29-F687-4f45-9708-019B960494DF}">
-                  <a14:hiddenLine xmlns:a14="http://schemas.microsoft.com/office/drawing/2010/main" xmlns="" w="9525">
+                  <a14:hiddenLine xmlns="" xmlns:a14="http://schemas.microsoft.com/office/drawing/2010/main" w="9525">
                     <a:solidFill>
                       <a:srgbClr val="000000"/>
                     </a:solidFill>
@@ -13558,7 +13563,7 @@
               </a:ln>
               <a:extLst>
                 <a:ext uri="{91240B29-F687-4f45-9708-019B960494DF}">
-                  <a14:hiddenLine xmlns:a14="http://schemas.microsoft.com/office/drawing/2010/main" xmlns="" w="9525">
+                  <a14:hiddenLine xmlns="" xmlns:a14="http://schemas.microsoft.com/office/drawing/2010/main" w="9525">
                     <a:solidFill>
                       <a:srgbClr val="000000"/>
                     </a:solidFill>
@@ -13620,7 +13625,7 @@
               </a:ln>
               <a:extLst>
                 <a:ext uri="{91240B29-F687-4f45-9708-019B960494DF}">
-                  <a14:hiddenLine xmlns:a14="http://schemas.microsoft.com/office/drawing/2010/main" xmlns="" w="9525">
+                  <a14:hiddenLine xmlns="" xmlns:a14="http://schemas.microsoft.com/office/drawing/2010/main" w="9525">
                     <a:solidFill>
                       <a:srgbClr val="000000"/>
                     </a:solidFill>
@@ -13730,7 +13735,7 @@
               </a:ln>
               <a:extLst>
                 <a:ext uri="{91240B29-F687-4f45-9708-019B960494DF}">
-                  <a14:hiddenLine xmlns:a14="http://schemas.microsoft.com/office/drawing/2010/main" xmlns="" w="9525">
+                  <a14:hiddenLine xmlns="" xmlns:a14="http://schemas.microsoft.com/office/drawing/2010/main" w="9525">
                     <a:solidFill>
                       <a:srgbClr val="000000"/>
                     </a:solidFill>
@@ -13814,7 +13819,7 @@
               </a:ln>
               <a:extLst>
                 <a:ext uri="{91240B29-F687-4f45-9708-019B960494DF}">
-                  <a14:hiddenLine xmlns:a14="http://schemas.microsoft.com/office/drawing/2010/main" xmlns="" w="9525">
+                  <a14:hiddenLine xmlns="" xmlns:a14="http://schemas.microsoft.com/office/drawing/2010/main" w="9525">
                     <a:solidFill>
                       <a:srgbClr val="000000"/>
                     </a:solidFill>
@@ -13876,7 +13881,7 @@
               </a:ln>
               <a:extLst>
                 <a:ext uri="{91240B29-F687-4f45-9708-019B960494DF}">
-                  <a14:hiddenLine xmlns:a14="http://schemas.microsoft.com/office/drawing/2010/main" xmlns="" w="9525">
+                  <a14:hiddenLine xmlns="" xmlns:a14="http://schemas.microsoft.com/office/drawing/2010/main" w="9525">
                     <a:solidFill>
                       <a:srgbClr val="000000"/>
                     </a:solidFill>
@@ -13938,7 +13943,7 @@
               </a:ln>
               <a:extLst>
                 <a:ext uri="{91240B29-F687-4f45-9708-019B960494DF}">
-                  <a14:hiddenLine xmlns:a14="http://schemas.microsoft.com/office/drawing/2010/main" xmlns="" w="9525">
+                  <a14:hiddenLine xmlns="" xmlns:a14="http://schemas.microsoft.com/office/drawing/2010/main" w="9525">
                     <a:solidFill>
                       <a:srgbClr val="000000"/>
                     </a:solidFill>
@@ -14028,7 +14033,7 @@
               </a:ln>
               <a:extLst>
                 <a:ext uri="{91240B29-F687-4f45-9708-019B960494DF}">
-                  <a14:hiddenLine xmlns:a14="http://schemas.microsoft.com/office/drawing/2010/main" xmlns="" w="9525">
+                  <a14:hiddenLine xmlns="" xmlns:a14="http://schemas.microsoft.com/office/drawing/2010/main" w="9525">
                     <a:solidFill>
                       <a:srgbClr val="000000"/>
                     </a:solidFill>
@@ -14062,7 +14067,7 @@
               </a:ln>
               <a:extLst>
                 <a:ext uri="{91240B29-F687-4f45-9708-019B960494DF}">
-                  <a14:hiddenLine xmlns:a14="http://schemas.microsoft.com/office/drawing/2010/main" xmlns="" w="9525">
+                  <a14:hiddenLine xmlns="" xmlns:a14="http://schemas.microsoft.com/office/drawing/2010/main" w="9525">
                     <a:solidFill>
                       <a:srgbClr val="000000"/>
                     </a:solidFill>
@@ -14127,7 +14132,7 @@
               </a:ln>
               <a:extLst>
                 <a:ext uri="{91240B29-F687-4f45-9708-019B960494DF}">
-                  <a14:hiddenLine xmlns:a14="http://schemas.microsoft.com/office/drawing/2010/main" xmlns="" w="9525">
+                  <a14:hiddenLine xmlns="" xmlns:a14="http://schemas.microsoft.com/office/drawing/2010/main" w="9525">
                     <a:solidFill>
                       <a:srgbClr val="000000"/>
                     </a:solidFill>
@@ -14217,7 +14222,7 @@
               </a:ln>
               <a:extLst>
                 <a:ext uri="{91240B29-F687-4f45-9708-019B960494DF}">
-                  <a14:hiddenLine xmlns:a14="http://schemas.microsoft.com/office/drawing/2010/main" xmlns="" w="9525">
+                  <a14:hiddenLine xmlns="" xmlns:a14="http://schemas.microsoft.com/office/drawing/2010/main" w="9525">
                     <a:solidFill>
                       <a:srgbClr val="000000"/>
                     </a:solidFill>
@@ -14279,7 +14284,7 @@
               </a:ln>
               <a:extLst>
                 <a:ext uri="{91240B29-F687-4f45-9708-019B960494DF}">
-                  <a14:hiddenLine xmlns:a14="http://schemas.microsoft.com/office/drawing/2010/main" xmlns="" w="9525">
+                  <a14:hiddenLine xmlns="" xmlns:a14="http://schemas.microsoft.com/office/drawing/2010/main" w="9525">
                     <a:solidFill>
                       <a:srgbClr val="000000"/>
                     </a:solidFill>
@@ -14369,7 +14374,7 @@
               </a:ln>
               <a:extLst>
                 <a:ext uri="{91240B29-F687-4f45-9708-019B960494DF}">
-                  <a14:hiddenLine xmlns:a14="http://schemas.microsoft.com/office/drawing/2010/main" xmlns="" w="9525">
+                  <a14:hiddenLine xmlns="" xmlns:a14="http://schemas.microsoft.com/office/drawing/2010/main" w="9525">
                     <a:solidFill>
                       <a:srgbClr val="000000"/>
                     </a:solidFill>
@@ -14434,7 +14439,7 @@
               </a:ln>
               <a:extLst>
                 <a:ext uri="{91240B29-F687-4f45-9708-019B960494DF}">
-                  <a14:hiddenLine xmlns:a14="http://schemas.microsoft.com/office/drawing/2010/main" xmlns="" w="9525">
+                  <a14:hiddenLine xmlns="" xmlns:a14="http://schemas.microsoft.com/office/drawing/2010/main" w="9525">
                     <a:solidFill>
                       <a:srgbClr val="000000"/>
                     </a:solidFill>
@@ -14496,7 +14501,7 @@
               </a:ln>
               <a:extLst>
                 <a:ext uri="{91240B29-F687-4f45-9708-019B960494DF}">
-                  <a14:hiddenLine xmlns:a14="http://schemas.microsoft.com/office/drawing/2010/main" xmlns="" w="9525">
+                  <a14:hiddenLine xmlns="" xmlns:a14="http://schemas.microsoft.com/office/drawing/2010/main" w="9525">
                     <a:solidFill>
                       <a:srgbClr val="000000"/>
                     </a:solidFill>
@@ -14586,7 +14591,7 @@
               </a:ln>
               <a:extLst>
                 <a:ext uri="{91240B29-F687-4f45-9708-019B960494DF}">
-                  <a14:hiddenLine xmlns:a14="http://schemas.microsoft.com/office/drawing/2010/main" xmlns="" w="9525">
+                  <a14:hiddenLine xmlns="" xmlns:a14="http://schemas.microsoft.com/office/drawing/2010/main" w="9525">
                     <a:solidFill>
                       <a:srgbClr val="000000"/>
                     </a:solidFill>
@@ -14676,7 +14681,7 @@
               </a:ln>
               <a:extLst>
                 <a:ext uri="{91240B29-F687-4f45-9708-019B960494DF}">
-                  <a14:hiddenLine xmlns:a14="http://schemas.microsoft.com/office/drawing/2010/main" xmlns="" w="9525">
+                  <a14:hiddenLine xmlns="" xmlns:a14="http://schemas.microsoft.com/office/drawing/2010/main" w="9525">
                     <a:solidFill>
                       <a:srgbClr val="000000"/>
                     </a:solidFill>
@@ -14741,7 +14746,7 @@
               </a:ln>
               <a:extLst>
                 <a:ext uri="{91240B29-F687-4f45-9708-019B960494DF}">
-                  <a14:hiddenLine xmlns:a14="http://schemas.microsoft.com/office/drawing/2010/main" xmlns="" w="9525">
+                  <a14:hiddenLine xmlns="" xmlns:a14="http://schemas.microsoft.com/office/drawing/2010/main" w="9525">
                     <a:solidFill>
                       <a:srgbClr val="000000"/>
                     </a:solidFill>
@@ -14861,7 +14866,7 @@
               </a:ln>
               <a:extLst>
                 <a:ext uri="{91240B29-F687-4f45-9708-019B960494DF}">
-                  <a14:hiddenLine xmlns:a14="http://schemas.microsoft.com/office/drawing/2010/main" xmlns="" w="9525">
+                  <a14:hiddenLine xmlns="" xmlns:a14="http://schemas.microsoft.com/office/drawing/2010/main" w="9525">
                     <a:solidFill>
                       <a:srgbClr val="000000"/>
                     </a:solidFill>
@@ -14959,7 +14964,7 @@
               </a:ln>
               <a:extLst>
                 <a:ext uri="{91240B29-F687-4f45-9708-019B960494DF}">
-                  <a14:hiddenLine xmlns:a14="http://schemas.microsoft.com/office/drawing/2010/main" xmlns="" w="9525">
+                  <a14:hiddenLine xmlns="" xmlns:a14="http://schemas.microsoft.com/office/drawing/2010/main" w="9525">
                     <a:solidFill>
                       <a:srgbClr val="000000"/>
                     </a:solidFill>
@@ -15074,7 +15079,7 @@
               </a:ln>
               <a:extLst>
                 <a:ext uri="{91240B29-F687-4f45-9708-019B960494DF}">
-                  <a14:hiddenLine xmlns:a14="http://schemas.microsoft.com/office/drawing/2010/main" xmlns="" w="9525">
+                  <a14:hiddenLine xmlns="" xmlns:a14="http://schemas.microsoft.com/office/drawing/2010/main" w="9525">
                     <a:solidFill>
                       <a:srgbClr val="000000"/>
                     </a:solidFill>
@@ -15164,7 +15169,7 @@
               </a:ln>
               <a:extLst>
                 <a:ext uri="{91240B29-F687-4f45-9708-019B960494DF}">
-                  <a14:hiddenLine xmlns:a14="http://schemas.microsoft.com/office/drawing/2010/main" xmlns="" w="9525">
+                  <a14:hiddenLine xmlns="" xmlns:a14="http://schemas.microsoft.com/office/drawing/2010/main" w="9525">
                     <a:solidFill>
                       <a:srgbClr val="000000"/>
                     </a:solidFill>
@@ -15229,7 +15234,7 @@
               </a:ln>
               <a:extLst>
                 <a:ext uri="{91240B29-F687-4f45-9708-019B960494DF}">
-                  <a14:hiddenLine xmlns:a14="http://schemas.microsoft.com/office/drawing/2010/main" xmlns="" w="9525">
+                  <a14:hiddenLine xmlns="" xmlns:a14="http://schemas.microsoft.com/office/drawing/2010/main" w="9525">
                     <a:solidFill>
                       <a:srgbClr val="000000"/>
                     </a:solidFill>
@@ -15319,7 +15324,7 @@
               </a:ln>
               <a:extLst>
                 <a:ext uri="{91240B29-F687-4f45-9708-019B960494DF}">
-                  <a14:hiddenLine xmlns:a14="http://schemas.microsoft.com/office/drawing/2010/main" xmlns="" w="9525">
+                  <a14:hiddenLine xmlns="" xmlns:a14="http://schemas.microsoft.com/office/drawing/2010/main" w="9525">
                     <a:solidFill>
                       <a:srgbClr val="000000"/>
                     </a:solidFill>
@@ -15387,7 +15392,7 @@
               </a:ln>
               <a:extLst>
                 <a:ext uri="{91240B29-F687-4f45-9708-019B960494DF}">
-                  <a14:hiddenLine xmlns:a14="http://schemas.microsoft.com/office/drawing/2010/main" xmlns="" w="9525">
+                  <a14:hiddenLine xmlns="" xmlns:a14="http://schemas.microsoft.com/office/drawing/2010/main" w="9525">
                     <a:solidFill>
                       <a:srgbClr val="000000"/>
                     </a:solidFill>
@@ -15477,7 +15482,7 @@
               </a:ln>
               <a:extLst>
                 <a:ext uri="{91240B29-F687-4f45-9708-019B960494DF}">
-                  <a14:hiddenLine xmlns:a14="http://schemas.microsoft.com/office/drawing/2010/main" xmlns="" w="9525">
+                  <a14:hiddenLine xmlns="" xmlns:a14="http://schemas.microsoft.com/office/drawing/2010/main" w="9525">
                     <a:solidFill>
                       <a:srgbClr val="000000"/>
                     </a:solidFill>
@@ -15545,7 +15550,7 @@
               </a:ln>
               <a:extLst>
                 <a:ext uri="{91240B29-F687-4f45-9708-019B960494DF}">
-                  <a14:hiddenLine xmlns:a14="http://schemas.microsoft.com/office/drawing/2010/main" xmlns="" w="9525">
+                  <a14:hiddenLine xmlns="" xmlns:a14="http://schemas.microsoft.com/office/drawing/2010/main" w="9525">
                     <a:solidFill>
                       <a:srgbClr val="000000"/>
                     </a:solidFill>
@@ -15635,7 +15640,7 @@
               </a:ln>
               <a:extLst>
                 <a:ext uri="{91240B29-F687-4f45-9708-019B960494DF}">
-                  <a14:hiddenLine xmlns:a14="http://schemas.microsoft.com/office/drawing/2010/main" xmlns="" w="9525">
+                  <a14:hiddenLine xmlns="" xmlns:a14="http://schemas.microsoft.com/office/drawing/2010/main" w="9525">
                     <a:solidFill>
                       <a:srgbClr val="000000"/>
                     </a:solidFill>
@@ -15669,7 +15674,7 @@
               </a:ln>
               <a:extLst>
                 <a:ext uri="{91240B29-F687-4f45-9708-019B960494DF}">
-                  <a14:hiddenLine xmlns:a14="http://schemas.microsoft.com/office/drawing/2010/main" xmlns="" w="9525">
+                  <a14:hiddenLine xmlns="" xmlns:a14="http://schemas.microsoft.com/office/drawing/2010/main" w="9525">
                     <a:solidFill>
                       <a:srgbClr val="000000"/>
                     </a:solidFill>
@@ -16348,13 +16353,13 @@
           <p:nvPr>
             <p:extLst>
               <p:ext uri="{D42A27DB-BD31-4B8C-83A1-F6EECF244321}">
-                <p14:modId xmlns:p14="http://schemas.microsoft.com/office/powerpoint/2010/main" val="2786967116"/>
+                <p14:modId xmlns:p14="http://schemas.microsoft.com/office/powerpoint/2010/main" val="3551696004"/>
               </p:ext>
             </p:extLst>
           </p:nvPr>
         </p:nvGraphicFramePr>
         <p:xfrm>
-          <a:off x="-143436" y="1129554"/>
+          <a:off x="134469" y="441512"/>
           <a:ext cx="7171766" cy="5602941"/>
         </p:xfrm>
         <a:graphic>
